--- a/questions/Question1/Question1_Final.pptx
+++ b/questions/Question1/Question1_Final.pptx
@@ -8063,7 +8063,7 @@
         <p:spPr>
           <a:xfrm>
             <a:off x="6053675" y="1555375"/>
-            <a:ext cx="2679300" cy="3063000"/>
+            <a:ext cx="2679300" cy="3231624"/>
           </a:xfrm>
           <a:prstGeom prst="rect">
             <a:avLst/>
@@ -8150,7 +8150,31 @@
                 <a:cs typeface="Lato"/>
                 <a:sym typeface="Lato"/>
               </a:rPr>
-              <a:t>However, given that only 1.3% of all the funds beat the benchmark at the end of the sample period, this is the best case scenario AGAINST the AI Implementer.</a:t>
+              <a:t>However, given that </a:t>
+            </a:r>
+            <a:r>
+              <a:rPr lang="en" sz="1100">
+                <a:solidFill>
+                  <a:schemeClr val="dk2"/>
+                </a:solidFill>
+                <a:latin typeface="Lato"/>
+                <a:ea typeface="Lato"/>
+                <a:cs typeface="Lato"/>
+                <a:sym typeface="Lato"/>
+              </a:rPr>
+              <a:t>only 9.34% </a:t>
+            </a:r>
+            <a:r>
+              <a:rPr lang="en" sz="1100" dirty="0">
+                <a:solidFill>
+                  <a:schemeClr val="dk2"/>
+                </a:solidFill>
+                <a:latin typeface="Lato"/>
+                <a:ea typeface="Lato"/>
+                <a:cs typeface="Lato"/>
+                <a:sym typeface="Lato"/>
+              </a:rPr>
+              <a:t>of all the funds beat the benchmark at the end of the sample period, this is the best case scenario AGAINST the AI Implementer.</a:t>
             </a:r>
             <a:endParaRPr sz="1100" dirty="0">
               <a:solidFill>
